--- a/Module 5 -- cleaning and summary stats/Module 5 -- data cleaning.pptx
+++ b/Module 5 -- cleaning and summary stats/Module 5 -- data cleaning.pptx
@@ -5,7 +5,7 @@
     <p:sldMasterId id="2147483648" r:id="rId1"/>
   </p:sldMasterIdLst>
   <p:notesMasterIdLst>
-    <p:notesMasterId r:id="rId28"/>
+    <p:notesMasterId r:id="rId30"/>
   </p:notesMasterIdLst>
   <p:sldIdLst>
     <p:sldId id="361" r:id="rId2"/>
@@ -29,11 +29,13 @@
     <p:sldId id="439" r:id="rId20"/>
     <p:sldId id="440" r:id="rId21"/>
     <p:sldId id="441" r:id="rId22"/>
-    <p:sldId id="445" r:id="rId23"/>
-    <p:sldId id="442" r:id="rId24"/>
-    <p:sldId id="443" r:id="rId25"/>
-    <p:sldId id="444" r:id="rId26"/>
-    <p:sldId id="447" r:id="rId27"/>
+    <p:sldId id="448" r:id="rId23"/>
+    <p:sldId id="449" r:id="rId24"/>
+    <p:sldId id="445" r:id="rId25"/>
+    <p:sldId id="442" r:id="rId26"/>
+    <p:sldId id="443" r:id="rId27"/>
+    <p:sldId id="444" r:id="rId28"/>
+    <p:sldId id="447" r:id="rId29"/>
   </p:sldIdLst>
   <p:sldSz cx="12192000" cy="6858000"/>
   <p:notesSz cx="6858000" cy="9144000"/>
@@ -222,7 +224,7 @@
           <a:p>
             <a:fld id="{E871FE31-3812-3944-9707-6ECC70AFADCA}" type="datetimeFigureOut">
               <a:rPr lang="en-US" smtClean="0"/>
-              <a:t>5/1/2017</a:t>
+              <a:t>10/9/2017</a:t>
             </a:fld>
             <a:endParaRPr lang="en-US"/>
           </a:p>
@@ -789,7 +791,7 @@
           <a:p>
             <a:fld id="{FB4E9207-3502-4D82-8DC9-A9DE8A95787C}" type="datetime1">
               <a:rPr lang="en-US" smtClean="0"/>
-              <a:t>5/1/2017</a:t>
+              <a:t>10/9/2017</a:t>
             </a:fld>
             <a:endParaRPr lang="en-US"/>
           </a:p>
@@ -963,7 +965,7 @@
           <a:p>
             <a:fld id="{2F6E81A9-07DC-429C-B667-81B3A4B39A83}" type="datetime1">
               <a:rPr lang="en-US" smtClean="0"/>
-              <a:t>5/1/2017</a:t>
+              <a:t>10/9/2017</a:t>
             </a:fld>
             <a:endParaRPr lang="en-US"/>
           </a:p>
@@ -1147,7 +1149,7 @@
           <a:p>
             <a:fld id="{8FF5719C-D671-4C74-9D22-B2772DCA1113}" type="datetime1">
               <a:rPr lang="en-US" smtClean="0"/>
-              <a:t>5/1/2017</a:t>
+              <a:t>10/9/2017</a:t>
             </a:fld>
             <a:endParaRPr lang="en-US"/>
           </a:p>
@@ -1321,7 +1323,7 @@
           <a:p>
             <a:fld id="{16044E20-44F7-45A0-97ED-1045B0D6285B}" type="datetime1">
               <a:rPr lang="en-US" smtClean="0"/>
-              <a:t>5/1/2017</a:t>
+              <a:t>10/9/2017</a:t>
             </a:fld>
             <a:endParaRPr lang="en-US"/>
           </a:p>
@@ -1571,7 +1573,7 @@
           <a:p>
             <a:fld id="{EFAD0BC8-92FE-46EB-B50B-7D0FCF901FA8}" type="datetime1">
               <a:rPr lang="en-US" smtClean="0"/>
-              <a:t>5/1/2017</a:t>
+              <a:t>10/9/2017</a:t>
             </a:fld>
             <a:endParaRPr lang="en-US"/>
           </a:p>
@@ -1807,7 +1809,7 @@
           <a:p>
             <a:fld id="{44FA7F5F-63BB-4584-935B-D31D399D10FE}" type="datetime1">
               <a:rPr lang="en-US" smtClean="0"/>
-              <a:t>5/1/2017</a:t>
+              <a:t>10/9/2017</a:t>
             </a:fld>
             <a:endParaRPr lang="en-US"/>
           </a:p>
@@ -2178,7 +2180,7 @@
           <a:p>
             <a:fld id="{8E072027-C5FC-4E37-A15A-019E54377322}" type="datetime1">
               <a:rPr lang="en-US" smtClean="0"/>
-              <a:t>5/1/2017</a:t>
+              <a:t>10/9/2017</a:t>
             </a:fld>
             <a:endParaRPr lang="en-US"/>
           </a:p>
@@ -2300,7 +2302,7 @@
           <a:p>
             <a:fld id="{F2B349E3-C93D-449C-9F9E-15580F2AF3CF}" type="datetime1">
               <a:rPr lang="en-US" smtClean="0"/>
-              <a:t>5/1/2017</a:t>
+              <a:t>10/9/2017</a:t>
             </a:fld>
             <a:endParaRPr lang="en-US"/>
           </a:p>
@@ -2399,7 +2401,7 @@
           <a:p>
             <a:fld id="{4D39D33D-B785-42CF-BD7B-5738CAFE066F}" type="datetime1">
               <a:rPr lang="en-US" smtClean="0"/>
-              <a:t>5/1/2017</a:t>
+              <a:t>10/9/2017</a:t>
             </a:fld>
             <a:endParaRPr lang="en-US"/>
           </a:p>
@@ -2680,7 +2682,7 @@
           <a:p>
             <a:fld id="{218A899D-FA90-4B6A-B15A-3D376A101BAE}" type="datetime1">
               <a:rPr lang="en-US" smtClean="0"/>
-              <a:t>5/1/2017</a:t>
+              <a:t>10/9/2017</a:t>
             </a:fld>
             <a:endParaRPr lang="en-US"/>
           </a:p>
@@ -2937,7 +2939,7 @@
           <a:p>
             <a:fld id="{8ED94CC0-37A6-4664-B900-10C41C22A99E}" type="datetime1">
               <a:rPr lang="en-US" smtClean="0"/>
-              <a:t>5/1/2017</a:t>
+              <a:t>10/9/2017</a:t>
             </a:fld>
             <a:endParaRPr lang="en-US"/>
           </a:p>
@@ -3154,7 +3156,7 @@
           <a:p>
             <a:fld id="{01B1BE9F-7BFE-4C71-BD43-960ED396092C}" type="datetime1">
               <a:rPr lang="en-US" smtClean="0"/>
-              <a:t>5/1/2017</a:t>
+              <a:t>10/9/2017</a:t>
             </a:fld>
             <a:endParaRPr lang="en-US"/>
           </a:p>
@@ -3595,11 +3597,7 @@
             </a:br>
             <a:r>
               <a:rPr lang="en-US" sz="2000" b="1" dirty="0" smtClean="0"/>
-              <a:t>module </a:t>
-            </a:r>
-            <a:r>
-              <a:rPr lang="en-US" sz="2000" b="1" dirty="0" smtClean="0"/>
-              <a:t>5</a:t>
+              <a:t>module 5</a:t>
             </a:r>
             <a:endParaRPr lang="en-US" b="1" dirty="0"/>
           </a:p>
@@ -5899,7 +5897,7 @@
       </p:grpSpPr>
       <p:pic>
         <p:nvPicPr>
-          <p:cNvPr id="3" name="Picture 2"/>
+          <p:cNvPr id="5" name="Picture 4"/>
           <p:cNvPicPr>
             <a:picLocks noChangeAspect="1"/>
           </p:cNvPicPr>
@@ -5913,8 +5911,8 @@
         </p:blipFill>
         <p:spPr>
           <a:xfrm>
-            <a:off x="223837" y="1488503"/>
-            <a:ext cx="11744325" cy="2438400"/>
+            <a:off x="0" y="1424747"/>
+            <a:ext cx="12192000" cy="810451"/>
           </a:xfrm>
           <a:prstGeom prst="rect">
             <a:avLst/>
@@ -5946,122 +5944,6 @@
               <a:t>Add a calculated column</a:t>
             </a:r>
             <a:endParaRPr lang="en-US" i="1" dirty="0"/>
-          </a:p>
-        </p:txBody>
-      </p:sp>
-      <p:sp>
-        <p:nvSpPr>
-          <p:cNvPr id="8" name="Oval 7"/>
-          <p:cNvSpPr/>
-          <p:nvPr/>
-        </p:nvSpPr>
-        <p:spPr>
-          <a:xfrm>
-            <a:off x="3010137" y="3329386"/>
-            <a:ext cx="1965108" cy="500969"/>
-          </a:xfrm>
-          <a:prstGeom prst="ellipse">
-            <a:avLst/>
-          </a:prstGeom>
-          <a:solidFill>
-            <a:schemeClr val="accent2">
-              <a:alpha val="49000"/>
-            </a:schemeClr>
-          </a:solidFill>
-          <a:ln>
-            <a:noFill/>
-          </a:ln>
-        </p:spPr>
-        <p:style>
-          <a:lnRef idx="2">
-            <a:schemeClr val="accent1">
-              <a:shade val="50000"/>
-            </a:schemeClr>
-          </a:lnRef>
-          <a:fillRef idx="1">
-            <a:schemeClr val="accent1"/>
-          </a:fillRef>
-          <a:effectRef idx="0">
-            <a:schemeClr val="accent1"/>
-          </a:effectRef>
-          <a:fontRef idx="minor">
-            <a:schemeClr val="lt1"/>
-          </a:fontRef>
-        </p:style>
-        <p:txBody>
-          <a:bodyPr rtlCol="0" anchor="ctr"/>
-          <a:lstStyle/>
-          <a:p>
-            <a:pPr algn="ctr"/>
-            <a:endParaRPr lang="en-US"/>
-          </a:p>
-        </p:txBody>
-      </p:sp>
-      <p:cxnSp>
-        <p:nvCxnSpPr>
-          <p:cNvPr id="9" name="Straight Connector 8"/>
-          <p:cNvCxnSpPr>
-            <a:stCxn id="10" idx="1"/>
-            <a:endCxn id="8" idx="4"/>
-          </p:cNvCxnSpPr>
-          <p:nvPr/>
-        </p:nvCxnSpPr>
-        <p:spPr>
-          <a:xfrm flipH="1" flipV="1">
-            <a:off x="3992691" y="3830355"/>
-            <a:ext cx="3357848" cy="856212"/>
-          </a:xfrm>
-          <a:prstGeom prst="line">
-            <a:avLst/>
-          </a:prstGeom>
-          <a:ln>
-            <a:solidFill>
-              <a:srgbClr val="FF0000"/>
-            </a:solidFill>
-          </a:ln>
-        </p:spPr>
-        <p:style>
-          <a:lnRef idx="1">
-            <a:schemeClr val="accent1"/>
-          </a:lnRef>
-          <a:fillRef idx="0">
-            <a:schemeClr val="accent1"/>
-          </a:fillRef>
-          <a:effectRef idx="0">
-            <a:schemeClr val="accent1"/>
-          </a:effectRef>
-          <a:fontRef idx="minor">
-            <a:schemeClr val="tx1"/>
-          </a:fontRef>
-        </p:style>
-      </p:cxnSp>
-      <p:sp>
-        <p:nvSpPr>
-          <p:cNvPr id="10" name="TextBox 9"/>
-          <p:cNvSpPr txBox="1"/>
-          <p:nvPr/>
-        </p:nvSpPr>
-        <p:spPr>
-          <a:xfrm>
-            <a:off x="7350539" y="4086402"/>
-            <a:ext cx="4366276" cy="1200329"/>
-          </a:xfrm>
-          <a:prstGeom prst="rect">
-            <a:avLst/>
-          </a:prstGeom>
-          <a:noFill/>
-        </p:spPr>
-        <p:txBody>
-          <a:bodyPr wrap="square" rtlCol="0">
-            <a:spAutoFit/>
-          </a:bodyPr>
-          <a:lstStyle/>
-          <a:p>
-            <a:r>
-              <a:rPr lang="en-US" sz="2400" dirty="0" smtClean="0"/>
-              <a:t>A smaller data frame with only columns relative to programming languages</a:t>
-            </a:r>
-            <a:endParaRPr lang="en-US" sz="2400" dirty="0"/>
           </a:p>
         </p:txBody>
       </p:sp>
@@ -6301,8 +6183,13 @@
           <a:p>
             <a:r>
               <a:rPr lang="en-US" dirty="0" smtClean="0"/>
-              <a:t>We need to call apply </a:t>
-            </a:r>
+              <a:t>One possible way is to use the function </a:t>
+            </a:r>
+            <a:r>
+              <a:rPr lang="en-US" i="1" dirty="0" err="1" smtClean="0"/>
+              <a:t>DataFrame.apply</a:t>
+            </a:r>
+            <a:endParaRPr lang="en-US" i="1" dirty="0" smtClean="0"/>
           </a:p>
           <a:p>
             <a:r>
@@ -6508,7 +6395,7 @@
           <a:p>
             <a:r>
               <a:rPr lang="en-US" dirty="0" smtClean="0"/>
-              <a:t>Solution 1: define a function</a:t>
+              <a:t>Solution with apply 1/2: define a function</a:t>
             </a:r>
             <a:endParaRPr lang="en-US" dirty="0"/>
           </a:p>
@@ -6748,7 +6635,7 @@
           <a:p>
             <a:r>
               <a:rPr lang="en-US" dirty="0" smtClean="0"/>
-              <a:t>Solution 2: lambda function</a:t>
+              <a:t>Solution with apply 2/2: lambda function</a:t>
             </a:r>
             <a:endParaRPr lang="en-US" dirty="0"/>
           </a:p>
@@ -6848,7 +6735,59 @@
           <a:p>
             <a:r>
               <a:rPr lang="en-US" dirty="0" smtClean="0"/>
-              <a:t>Problems</a:t>
+              <a:t>Performance of </a:t>
+            </a:r>
+            <a:r>
+              <a:rPr lang="en-US" i="1" dirty="0" err="1" smtClean="0"/>
+              <a:t>DataFrame.apply</a:t>
+            </a:r>
+            <a:endParaRPr lang="en-US" i="1" dirty="0"/>
+          </a:p>
+        </p:txBody>
+      </p:sp>
+      <p:sp>
+        <p:nvSpPr>
+          <p:cNvPr id="3" name="Content Placeholder 2"/>
+          <p:cNvSpPr>
+            <a:spLocks noGrp="1"/>
+          </p:cNvSpPr>
+          <p:nvPr>
+            <p:ph idx="1"/>
+          </p:nvPr>
+        </p:nvSpPr>
+        <p:spPr/>
+        <p:txBody>
+          <a:bodyPr/>
+          <a:lstStyle/>
+          <a:p>
+            <a:r>
+              <a:rPr lang="en-US" dirty="0" smtClean="0"/>
+              <a:t>It is slow!! </a:t>
+            </a:r>
+          </a:p>
+          <a:p>
+            <a:r>
+              <a:rPr lang="en-US" dirty="0" smtClean="0"/>
+              <a:t>If called with axis=1, it is basically a for-loop through the rows</a:t>
+            </a:r>
+          </a:p>
+          <a:p>
+            <a:r>
+              <a:rPr lang="en-US" dirty="0" smtClean="0"/>
+              <a:t>Do not use it unless it is absolutely needed</a:t>
+            </a:r>
+          </a:p>
+          <a:p>
+            <a:pPr lvl="1"/>
+            <a:r>
+              <a:rPr lang="en-US" dirty="0" smtClean="0"/>
+              <a:t>Example: for each row, we need to run a simulation</a:t>
+            </a:r>
+          </a:p>
+          <a:p>
+            <a:r>
+              <a:rPr lang="en-US" dirty="0" smtClean="0"/>
+              <a:t>If possible, use operations among Series and scalars</a:t>
             </a:r>
             <a:endParaRPr lang="en-US" dirty="0"/>
           </a:p>
@@ -6856,12 +6795,12 @@
       </p:sp>
       <p:sp>
         <p:nvSpPr>
-          <p:cNvPr id="3" name="Content Placeholder 2"/>
-          <p:cNvSpPr>
-            <a:spLocks noGrp="1"/>
-          </p:cNvSpPr>
-          <p:nvPr>
-            <p:ph idx="1"/>
+          <p:cNvPr id="4" name="Footer Placeholder 3"/>
+          <p:cNvSpPr>
+            <a:spLocks noGrp="1"/>
+          </p:cNvSpPr>
+          <p:nvPr>
+            <p:ph type="ftr" sz="quarter" idx="11"/>
           </p:nvPr>
         </p:nvSpPr>
         <p:spPr/>
@@ -6870,44 +6809,6 @@
           <a:lstStyle/>
           <a:p>
             <a:r>
-              <a:rPr lang="en-US" dirty="0" smtClean="0"/>
-              <a:t>How many students know SQL?</a:t>
-            </a:r>
-          </a:p>
-          <a:p>
-            <a:r>
-              <a:rPr lang="en-US" dirty="0"/>
-              <a:t>What's the average programming skills of MSIS students? Compare it to that of MBA </a:t>
-            </a:r>
-            <a:r>
-              <a:rPr lang="en-US" dirty="0" smtClean="0"/>
-              <a:t>students</a:t>
-            </a:r>
-          </a:p>
-          <a:p>
-            <a:r>
-              <a:rPr lang="en-US" dirty="0"/>
-              <a:t>How many students know classification better than clustering? And how many clustering better than classification?</a:t>
-            </a:r>
-          </a:p>
-        </p:txBody>
-      </p:sp>
-      <p:sp>
-        <p:nvSpPr>
-          <p:cNvPr id="4" name="Footer Placeholder 3"/>
-          <p:cNvSpPr>
-            <a:spLocks noGrp="1"/>
-          </p:cNvSpPr>
-          <p:nvPr>
-            <p:ph type="ftr" sz="quarter" idx="11"/>
-          </p:nvPr>
-        </p:nvSpPr>
-        <p:spPr/>
-        <p:txBody>
-          <a:bodyPr/>
-          <a:lstStyle/>
-          <a:p>
-            <a:r>
               <a:rPr lang="en-US" smtClean="0"/>
               <a:t>Michele Samorani - Data Science Analysis with Python</a:t>
             </a:r>
@@ -6915,10 +6816,34 @@
           </a:p>
         </p:txBody>
       </p:sp>
+      <p:pic>
+        <p:nvPicPr>
+          <p:cNvPr id="5" name="Picture 4"/>
+          <p:cNvPicPr>
+            <a:picLocks noChangeAspect="1"/>
+          </p:cNvPicPr>
+          <p:nvPr/>
+        </p:nvPicPr>
+        <p:blipFill>
+          <a:blip r:embed="rId2"/>
+          <a:stretch>
+            <a:fillRect/>
+          </a:stretch>
+        </p:blipFill>
+        <p:spPr>
+          <a:xfrm>
+            <a:off x="1070911" y="4720524"/>
+            <a:ext cx="7210425" cy="790575"/>
+          </a:xfrm>
+          <a:prstGeom prst="rect">
+            <a:avLst/>
+          </a:prstGeom>
+        </p:spPr>
+      </p:pic>
     </p:spTree>
     <p:extLst>
       <p:ext uri="{BB962C8B-B14F-4D97-AF65-F5344CB8AC3E}">
-        <p14:creationId xmlns:p14="http://schemas.microsoft.com/office/powerpoint/2010/main" val="202841074"/>
+        <p14:creationId xmlns:p14="http://schemas.microsoft.com/office/powerpoint/2010/main" val="320333988"/>
       </p:ext>
     </p:extLst>
   </p:cSld>
@@ -6961,8 +6886,89 @@
           <a:lstStyle/>
           <a:p>
             <a:r>
+              <a:rPr lang="en-US" i="1" dirty="0" err="1" smtClean="0"/>
+              <a:t>DataFrame.apply</a:t>
+            </a:r>
+            <a:r>
               <a:rPr lang="en-US" dirty="0" smtClean="0"/>
-              <a:t>Summary statistics</a:t>
+              <a:t> </a:t>
+            </a:r>
+            <a:r>
+              <a:rPr lang="en-US" dirty="0"/>
+              <a:t>vs </a:t>
+            </a:r>
+            <a:r>
+              <a:rPr lang="en-US" i="1" dirty="0" err="1"/>
+              <a:t>Series.apply</a:t>
+            </a:r>
+            <a:r>
+              <a:rPr lang="en-US" i="1" dirty="0"/>
+              <a:t>¶</a:t>
+            </a:r>
+          </a:p>
+        </p:txBody>
+      </p:sp>
+      <p:sp>
+        <p:nvSpPr>
+          <p:cNvPr id="3" name="Content Placeholder 2"/>
+          <p:cNvSpPr>
+            <a:spLocks noGrp="1"/>
+          </p:cNvSpPr>
+          <p:nvPr>
+            <p:ph idx="1"/>
+          </p:nvPr>
+        </p:nvSpPr>
+        <p:spPr/>
+        <p:txBody>
+          <a:bodyPr/>
+          <a:lstStyle/>
+          <a:p>
+            <a:r>
+              <a:rPr lang="en-US" dirty="0" smtClean="0"/>
+              <a:t>As of pandas </a:t>
+            </a:r>
+            <a:r>
+              <a:rPr lang="en-US" dirty="0"/>
+              <a:t>0.20, </a:t>
+            </a:r>
+            <a:r>
+              <a:rPr lang="en-US" i="1" dirty="0" err="1"/>
+              <a:t>DataFrame.apply</a:t>
+            </a:r>
+            <a:r>
+              <a:rPr lang="en-US" dirty="0"/>
+              <a:t> is slow whereas </a:t>
+            </a:r>
+            <a:r>
+              <a:rPr lang="en-US" i="1" dirty="0" err="1"/>
+              <a:t>Series.apply</a:t>
+            </a:r>
+            <a:r>
+              <a:rPr lang="en-US" dirty="0"/>
+              <a:t> is fast. </a:t>
+            </a:r>
+            <a:endParaRPr lang="en-US" dirty="0" smtClean="0"/>
+          </a:p>
+          <a:p>
+            <a:r>
+              <a:rPr lang="en-US" dirty="0" smtClean="0"/>
+              <a:t>Example: compute the </a:t>
+            </a:r>
+            <a:r>
+              <a:rPr lang="en-US" dirty="0"/>
+              <a:t>lower case value of </a:t>
+            </a:r>
+            <a:r>
+              <a:rPr lang="en-US" dirty="0" smtClean="0"/>
+              <a:t>the column </a:t>
+            </a:r>
+            <a:r>
+              <a:rPr lang="en-US" i="1" dirty="0" smtClean="0"/>
+              <a:t>Program</a:t>
+            </a:r>
+            <a:r>
+              <a:rPr lang="en-US" dirty="0"/>
+              <a:t>.</a:t>
             </a:r>
             <a:endParaRPr lang="en-US" dirty="0"/>
           </a:p>
@@ -6970,12 +6976,12 @@
       </p:sp>
       <p:sp>
         <p:nvSpPr>
-          <p:cNvPr id="3" name="Text Placeholder 2"/>
-          <p:cNvSpPr>
-            <a:spLocks noGrp="1"/>
-          </p:cNvSpPr>
-          <p:nvPr>
-            <p:ph type="body" idx="1"/>
+          <p:cNvPr id="4" name="Footer Placeholder 3"/>
+          <p:cNvSpPr>
+            <a:spLocks noGrp="1"/>
+          </p:cNvSpPr>
+          <p:nvPr>
+            <p:ph type="ftr" sz="quarter" idx="11"/>
           </p:nvPr>
         </p:nvSpPr>
         <p:spPr/>
@@ -6983,37 +6989,186 @@
           <a:bodyPr/>
           <a:lstStyle/>
           <a:p>
-            <a:endParaRPr lang="en-US"/>
-          </a:p>
-        </p:txBody>
-      </p:sp>
-      <p:sp>
-        <p:nvSpPr>
-          <p:cNvPr id="4" name="Footer Placeholder 3"/>
-          <p:cNvSpPr>
-            <a:spLocks noGrp="1"/>
-          </p:cNvSpPr>
-          <p:nvPr>
-            <p:ph type="ftr" sz="quarter" idx="11"/>
-          </p:nvPr>
-        </p:nvSpPr>
-        <p:spPr/>
-        <p:txBody>
-          <a:bodyPr/>
-          <a:lstStyle/>
-          <a:p>
             <a:r>
               <a:rPr lang="en-US" smtClean="0"/>
               <a:t>Michele Samorani - Data Science Analysis with Python</a:t>
             </a:r>
             <a:endParaRPr lang="en-US"/>
+          </a:p>
+        </p:txBody>
+      </p:sp>
+      <p:pic>
+        <p:nvPicPr>
+          <p:cNvPr id="5" name="Picture 4"/>
+          <p:cNvPicPr>
+            <a:picLocks noChangeAspect="1"/>
+          </p:cNvPicPr>
+          <p:nvPr/>
+        </p:nvPicPr>
+        <p:blipFill>
+          <a:blip r:embed="rId2"/>
+          <a:stretch>
+            <a:fillRect/>
+          </a:stretch>
+        </p:blipFill>
+        <p:spPr>
+          <a:xfrm>
+            <a:off x="738336" y="3375409"/>
+            <a:ext cx="6175424" cy="2891248"/>
+          </a:xfrm>
+          <a:prstGeom prst="rect">
+            <a:avLst/>
+          </a:prstGeom>
+        </p:spPr>
+      </p:pic>
+      <p:sp>
+        <p:nvSpPr>
+          <p:cNvPr id="6" name="Right Arrow 5"/>
+          <p:cNvSpPr/>
+          <p:nvPr/>
+        </p:nvSpPr>
+        <p:spPr>
+          <a:xfrm rot="10800000">
+            <a:off x="7013624" y="3918857"/>
+            <a:ext cx="959836" cy="266937"/>
+          </a:xfrm>
+          <a:prstGeom prst="rightArrow">
+            <a:avLst/>
+          </a:prstGeom>
+        </p:spPr>
+        <p:style>
+          <a:lnRef idx="2">
+            <a:schemeClr val="accent1">
+              <a:shade val="50000"/>
+            </a:schemeClr>
+          </a:lnRef>
+          <a:fillRef idx="1">
+            <a:schemeClr val="accent1"/>
+          </a:fillRef>
+          <a:effectRef idx="0">
+            <a:schemeClr val="accent1"/>
+          </a:effectRef>
+          <a:fontRef idx="minor">
+            <a:schemeClr val="lt1"/>
+          </a:fontRef>
+        </p:style>
+        <p:txBody>
+          <a:bodyPr rtlCol="0" anchor="ctr"/>
+          <a:lstStyle/>
+          <a:p>
+            <a:pPr algn="ctr"/>
+            <a:endParaRPr lang="en-US"/>
+          </a:p>
+        </p:txBody>
+      </p:sp>
+      <p:sp>
+        <p:nvSpPr>
+          <p:cNvPr id="7" name="Right Arrow 6"/>
+          <p:cNvSpPr/>
+          <p:nvPr/>
+        </p:nvSpPr>
+        <p:spPr>
+          <a:xfrm rot="10800000">
+            <a:off x="7013623" y="5543195"/>
+            <a:ext cx="959836" cy="266937"/>
+          </a:xfrm>
+          <a:prstGeom prst="rightArrow">
+            <a:avLst/>
+          </a:prstGeom>
+        </p:spPr>
+        <p:style>
+          <a:lnRef idx="2">
+            <a:schemeClr val="accent1">
+              <a:shade val="50000"/>
+            </a:schemeClr>
+          </a:lnRef>
+          <a:fillRef idx="1">
+            <a:schemeClr val="accent1"/>
+          </a:fillRef>
+          <a:effectRef idx="0">
+            <a:schemeClr val="accent1"/>
+          </a:effectRef>
+          <a:fontRef idx="minor">
+            <a:schemeClr val="lt1"/>
+          </a:fontRef>
+        </p:style>
+        <p:txBody>
+          <a:bodyPr rtlCol="0" anchor="ctr"/>
+          <a:lstStyle/>
+          <a:p>
+            <a:pPr algn="ctr"/>
+            <a:endParaRPr lang="en-US"/>
+          </a:p>
+        </p:txBody>
+      </p:sp>
+      <p:sp>
+        <p:nvSpPr>
+          <p:cNvPr id="8" name="TextBox 7"/>
+          <p:cNvSpPr txBox="1"/>
+          <p:nvPr/>
+        </p:nvSpPr>
+        <p:spPr>
+          <a:xfrm>
+            <a:off x="8235280" y="3873421"/>
+            <a:ext cx="3375539" cy="369332"/>
+          </a:xfrm>
+          <a:prstGeom prst="rect">
+            <a:avLst/>
+          </a:prstGeom>
+          <a:noFill/>
+        </p:spPr>
+        <p:txBody>
+          <a:bodyPr wrap="none" rtlCol="0">
+            <a:spAutoFit/>
+          </a:bodyPr>
+          <a:lstStyle/>
+          <a:p>
+            <a:r>
+              <a:rPr lang="en-US" dirty="0" smtClean="0"/>
+              <a:t>Apply to all rows of the </a:t>
+            </a:r>
+            <a:r>
+              <a:rPr lang="en-US" dirty="0" err="1" smtClean="0"/>
+              <a:t>dataframe</a:t>
+            </a:r>
+            <a:endParaRPr lang="en-US" dirty="0"/>
+          </a:p>
+        </p:txBody>
+      </p:sp>
+      <p:sp>
+        <p:nvSpPr>
+          <p:cNvPr id="9" name="TextBox 8"/>
+          <p:cNvSpPr txBox="1"/>
+          <p:nvPr/>
+        </p:nvSpPr>
+        <p:spPr>
+          <a:xfrm>
+            <a:off x="8153400" y="5491998"/>
+            <a:ext cx="3090077" cy="369332"/>
+          </a:xfrm>
+          <a:prstGeom prst="rect">
+            <a:avLst/>
+          </a:prstGeom>
+          <a:noFill/>
+        </p:spPr>
+        <p:txBody>
+          <a:bodyPr wrap="none" rtlCol="0">
+            <a:spAutoFit/>
+          </a:bodyPr>
+          <a:lstStyle/>
+          <a:p>
+            <a:r>
+              <a:rPr lang="en-US" dirty="0" smtClean="0"/>
+              <a:t>Apply to all values of the series</a:t>
+            </a:r>
+            <a:endParaRPr lang="en-US" dirty="0"/>
           </a:p>
         </p:txBody>
       </p:sp>
     </p:spTree>
     <p:extLst>
       <p:ext uri="{BB962C8B-B14F-4D97-AF65-F5344CB8AC3E}">
-        <p14:creationId xmlns:p14="http://schemas.microsoft.com/office/powerpoint/2010/main" val="2827875714"/>
+        <p14:creationId xmlns:p14="http://schemas.microsoft.com/office/powerpoint/2010/main" val="303305687"/>
       </p:ext>
     </p:extLst>
   </p:cSld>
@@ -7050,19 +7205,14 @@
             <p:ph type="title"/>
           </p:nvPr>
         </p:nvSpPr>
-        <p:spPr>
-          <a:xfrm>
-            <a:off x="791417" y="348428"/>
-            <a:ext cx="10515600" cy="940223"/>
-          </a:xfrm>
-        </p:spPr>
+        <p:spPr/>
         <p:txBody>
           <a:bodyPr/>
           <a:lstStyle/>
           <a:p>
             <a:r>
               <a:rPr lang="en-US" dirty="0" smtClean="0"/>
-              <a:t>describe</a:t>
+              <a:t>Problems</a:t>
             </a:r>
             <a:endParaRPr lang="en-US" dirty="0"/>
           </a:p>
@@ -7078,193 +7228,37 @@
             <p:ph idx="1"/>
           </p:nvPr>
         </p:nvSpPr>
-        <p:spPr>
-          <a:xfrm>
-            <a:off x="791417" y="1423588"/>
-            <a:ext cx="10515600" cy="4351338"/>
-          </a:xfrm>
-        </p:spPr>
+        <p:spPr/>
         <p:txBody>
           <a:bodyPr/>
           <a:lstStyle/>
           <a:p>
             <a:r>
               <a:rPr lang="en-US" dirty="0" smtClean="0"/>
-              <a:t>The method </a:t>
-            </a:r>
-            <a:r>
-              <a:rPr lang="en-US" b="1" dirty="0" smtClean="0"/>
-              <a:t>describe</a:t>
+              <a:t>How many students know SQL?</a:t>
+            </a:r>
+          </a:p>
+          <a:p>
+            <a:r>
+              <a:rPr lang="en-US" dirty="0"/>
+              <a:t>What's the average programming skills of MSIS students? Compare it to that of MBA </a:t>
             </a:r>
             <a:r>
               <a:rPr lang="en-US" dirty="0" smtClean="0"/>
-              <a:t> returns summary statistics for each column</a:t>
-            </a:r>
-            <a:endParaRPr lang="en-US" dirty="0"/>
-          </a:p>
-        </p:txBody>
-      </p:sp>
-      <p:pic>
-        <p:nvPicPr>
-          <p:cNvPr id="4" name="Picture 3"/>
-          <p:cNvPicPr>
-            <a:picLocks noChangeAspect="1"/>
-          </p:cNvPicPr>
-          <p:nvPr/>
-        </p:nvPicPr>
-        <p:blipFill>
-          <a:blip r:embed="rId2"/>
-          <a:stretch>
-            <a:fillRect/>
-          </a:stretch>
-        </p:blipFill>
-        <p:spPr>
-          <a:xfrm>
-            <a:off x="5262063" y="2396719"/>
-            <a:ext cx="3514540" cy="3780244"/>
-          </a:xfrm>
-          <a:prstGeom prst="rect">
-            <a:avLst/>
-          </a:prstGeom>
-        </p:spPr>
-      </p:pic>
-      <p:cxnSp>
-        <p:nvCxnSpPr>
-          <p:cNvPr id="5" name="Straight Connector 4"/>
-          <p:cNvCxnSpPr>
-            <a:stCxn id="6" idx="3"/>
-          </p:cNvCxnSpPr>
-          <p:nvPr/>
-        </p:nvCxnSpPr>
-        <p:spPr>
-          <a:xfrm>
-            <a:off x="3699593" y="3211957"/>
-            <a:ext cx="1740024" cy="200055"/>
-          </a:xfrm>
-          <a:prstGeom prst="line">
-            <a:avLst/>
-          </a:prstGeom>
-          <a:ln>
-            <a:solidFill>
-              <a:srgbClr val="FF0000"/>
-            </a:solidFill>
-          </a:ln>
-        </p:spPr>
-        <p:style>
-          <a:lnRef idx="1">
-            <a:schemeClr val="accent1"/>
-          </a:lnRef>
-          <a:fillRef idx="0">
-            <a:schemeClr val="accent1"/>
-          </a:fillRef>
-          <a:effectRef idx="0">
-            <a:schemeClr val="accent1"/>
-          </a:effectRef>
-          <a:fontRef idx="minor">
-            <a:schemeClr val="tx1"/>
-          </a:fontRef>
-        </p:style>
-      </p:cxnSp>
-      <p:sp>
-        <p:nvSpPr>
-          <p:cNvPr id="6" name="TextBox 5"/>
-          <p:cNvSpPr txBox="1"/>
-          <p:nvPr/>
-        </p:nvSpPr>
-        <p:spPr>
-          <a:xfrm>
-            <a:off x="1400277" y="3011902"/>
-            <a:ext cx="2299316" cy="400110"/>
-          </a:xfrm>
-          <a:prstGeom prst="rect">
-            <a:avLst/>
-          </a:prstGeom>
-          <a:noFill/>
-        </p:spPr>
-        <p:txBody>
-          <a:bodyPr wrap="square" rtlCol="0">
-            <a:spAutoFit/>
-          </a:bodyPr>
-          <a:lstStyle/>
-          <a:p>
-            <a:r>
-              <a:rPr lang="en-US" sz="2000" dirty="0" smtClean="0"/>
-              <a:t>How many not null</a:t>
-            </a:r>
-            <a:endParaRPr lang="en-US" sz="2000" dirty="0"/>
-          </a:p>
-        </p:txBody>
-      </p:sp>
-      <p:cxnSp>
-        <p:nvCxnSpPr>
-          <p:cNvPr id="12" name="Straight Connector 11"/>
-          <p:cNvCxnSpPr>
-            <a:stCxn id="13" idx="3"/>
-          </p:cNvCxnSpPr>
-          <p:nvPr/>
-        </p:nvCxnSpPr>
-        <p:spPr>
-          <a:xfrm>
-            <a:off x="3630051" y="4687227"/>
-            <a:ext cx="1740024" cy="200055"/>
-          </a:xfrm>
-          <a:prstGeom prst="line">
-            <a:avLst/>
-          </a:prstGeom>
-          <a:ln>
-            <a:solidFill>
-              <a:srgbClr val="FF0000"/>
-            </a:solidFill>
-          </a:ln>
-        </p:spPr>
-        <p:style>
-          <a:lnRef idx="1">
-            <a:schemeClr val="accent1"/>
-          </a:lnRef>
-          <a:fillRef idx="0">
-            <a:schemeClr val="accent1"/>
-          </a:fillRef>
-          <a:effectRef idx="0">
-            <a:schemeClr val="accent1"/>
-          </a:effectRef>
-          <a:fontRef idx="minor">
-            <a:schemeClr val="tx1"/>
-          </a:fontRef>
-        </p:style>
-      </p:cxnSp>
-      <p:sp>
-        <p:nvSpPr>
-          <p:cNvPr id="13" name="TextBox 12"/>
-          <p:cNvSpPr txBox="1"/>
-          <p:nvPr/>
-        </p:nvSpPr>
-        <p:spPr>
-          <a:xfrm>
-            <a:off x="1330735" y="4487172"/>
-            <a:ext cx="2299316" cy="400110"/>
-          </a:xfrm>
-          <a:prstGeom prst="rect">
-            <a:avLst/>
-          </a:prstGeom>
-          <a:noFill/>
-        </p:spPr>
-        <p:txBody>
-          <a:bodyPr wrap="square" rtlCol="0">
-            <a:spAutoFit/>
-          </a:bodyPr>
-          <a:lstStyle/>
-          <a:p>
-            <a:r>
-              <a:rPr lang="en-US" sz="2000" dirty="0" smtClean="0"/>
-              <a:t>percentiles</a:t>
-            </a:r>
-            <a:endParaRPr lang="en-US" sz="2000" dirty="0"/>
-          </a:p>
-        </p:txBody>
-      </p:sp>
-      <p:sp>
-        <p:nvSpPr>
-          <p:cNvPr id="7" name="Footer Placeholder 6"/>
+              <a:t>students</a:t>
+            </a:r>
+          </a:p>
+          <a:p>
+            <a:r>
+              <a:rPr lang="en-US" dirty="0"/>
+              <a:t>How many students know classification better than clustering? And how many clustering better than classification?</a:t>
+            </a:r>
+          </a:p>
+        </p:txBody>
+      </p:sp>
+      <p:sp>
+        <p:nvSpPr>
+          <p:cNvPr id="4" name="Footer Placeholder 3"/>
           <p:cNvSpPr>
             <a:spLocks noGrp="1"/>
           </p:cNvSpPr>
@@ -7288,7 +7282,7 @@
     </p:spTree>
     <p:extLst>
       <p:ext uri="{BB962C8B-B14F-4D97-AF65-F5344CB8AC3E}">
-        <p14:creationId xmlns:p14="http://schemas.microsoft.com/office/powerpoint/2010/main" val="540626561"/>
+        <p14:creationId xmlns:p14="http://schemas.microsoft.com/office/powerpoint/2010/main" val="202841074"/>
       </p:ext>
     </p:extLst>
   </p:cSld>
@@ -7325,6 +7319,376 @@
             <p:ph type="title"/>
           </p:nvPr>
         </p:nvSpPr>
+        <p:spPr/>
+        <p:txBody>
+          <a:bodyPr/>
+          <a:lstStyle/>
+          <a:p>
+            <a:r>
+              <a:rPr lang="en-US" dirty="0" smtClean="0"/>
+              <a:t>Summary statistics</a:t>
+            </a:r>
+            <a:endParaRPr lang="en-US" dirty="0"/>
+          </a:p>
+        </p:txBody>
+      </p:sp>
+      <p:sp>
+        <p:nvSpPr>
+          <p:cNvPr id="3" name="Text Placeholder 2"/>
+          <p:cNvSpPr>
+            <a:spLocks noGrp="1"/>
+          </p:cNvSpPr>
+          <p:nvPr>
+            <p:ph type="body" idx="1"/>
+          </p:nvPr>
+        </p:nvSpPr>
+        <p:spPr/>
+        <p:txBody>
+          <a:bodyPr/>
+          <a:lstStyle/>
+          <a:p>
+            <a:endParaRPr lang="en-US"/>
+          </a:p>
+        </p:txBody>
+      </p:sp>
+      <p:sp>
+        <p:nvSpPr>
+          <p:cNvPr id="4" name="Footer Placeholder 3"/>
+          <p:cNvSpPr>
+            <a:spLocks noGrp="1"/>
+          </p:cNvSpPr>
+          <p:nvPr>
+            <p:ph type="ftr" sz="quarter" idx="11"/>
+          </p:nvPr>
+        </p:nvSpPr>
+        <p:spPr/>
+        <p:txBody>
+          <a:bodyPr/>
+          <a:lstStyle/>
+          <a:p>
+            <a:r>
+              <a:rPr lang="en-US" smtClean="0"/>
+              <a:t>Michele Samorani - Data Science Analysis with Python</a:t>
+            </a:r>
+            <a:endParaRPr lang="en-US"/>
+          </a:p>
+        </p:txBody>
+      </p:sp>
+    </p:spTree>
+    <p:extLst>
+      <p:ext uri="{BB962C8B-B14F-4D97-AF65-F5344CB8AC3E}">
+        <p14:creationId xmlns:p14="http://schemas.microsoft.com/office/powerpoint/2010/main" val="2827875714"/>
+      </p:ext>
+    </p:extLst>
+  </p:cSld>
+  <p:clrMapOvr>
+    <a:masterClrMapping/>
+  </p:clrMapOvr>
+</p:sld>
+</file>
+
+<file path=ppt/slides/slide26.xml><?xml version="1.0" encoding="utf-8"?>
+<p:sld xmlns:a="http://schemas.openxmlformats.org/drawingml/2006/main" xmlns:r="http://schemas.openxmlformats.org/officeDocument/2006/relationships" xmlns:p="http://schemas.openxmlformats.org/presentationml/2006/main">
+  <p:cSld>
+    <p:spTree>
+      <p:nvGrpSpPr>
+        <p:cNvPr id="1" name=""/>
+        <p:cNvGrpSpPr/>
+        <p:nvPr/>
+      </p:nvGrpSpPr>
+      <p:grpSpPr>
+        <a:xfrm>
+          <a:off x="0" y="0"/>
+          <a:ext cx="0" cy="0"/>
+          <a:chOff x="0" y="0"/>
+          <a:chExt cx="0" cy="0"/>
+        </a:xfrm>
+      </p:grpSpPr>
+      <p:sp>
+        <p:nvSpPr>
+          <p:cNvPr id="2" name="Title 1"/>
+          <p:cNvSpPr>
+            <a:spLocks noGrp="1"/>
+          </p:cNvSpPr>
+          <p:nvPr>
+            <p:ph type="title"/>
+          </p:nvPr>
+        </p:nvSpPr>
+        <p:spPr>
+          <a:xfrm>
+            <a:off x="791417" y="348428"/>
+            <a:ext cx="10515600" cy="940223"/>
+          </a:xfrm>
+        </p:spPr>
+        <p:txBody>
+          <a:bodyPr/>
+          <a:lstStyle/>
+          <a:p>
+            <a:r>
+              <a:rPr lang="en-US" dirty="0" smtClean="0"/>
+              <a:t>describe</a:t>
+            </a:r>
+            <a:endParaRPr lang="en-US" dirty="0"/>
+          </a:p>
+        </p:txBody>
+      </p:sp>
+      <p:sp>
+        <p:nvSpPr>
+          <p:cNvPr id="3" name="Content Placeholder 2"/>
+          <p:cNvSpPr>
+            <a:spLocks noGrp="1"/>
+          </p:cNvSpPr>
+          <p:nvPr>
+            <p:ph idx="1"/>
+          </p:nvPr>
+        </p:nvSpPr>
+        <p:spPr>
+          <a:xfrm>
+            <a:off x="791417" y="1423588"/>
+            <a:ext cx="10515600" cy="4351338"/>
+          </a:xfrm>
+        </p:spPr>
+        <p:txBody>
+          <a:bodyPr/>
+          <a:lstStyle/>
+          <a:p>
+            <a:r>
+              <a:rPr lang="en-US" dirty="0" smtClean="0"/>
+              <a:t>The method </a:t>
+            </a:r>
+            <a:r>
+              <a:rPr lang="en-US" b="1" dirty="0" smtClean="0"/>
+              <a:t>describe</a:t>
+            </a:r>
+            <a:r>
+              <a:rPr lang="en-US" dirty="0" smtClean="0"/>
+              <a:t> returns summary statistics for each column</a:t>
+            </a:r>
+            <a:endParaRPr lang="en-US" dirty="0"/>
+          </a:p>
+        </p:txBody>
+      </p:sp>
+      <p:pic>
+        <p:nvPicPr>
+          <p:cNvPr id="4" name="Picture 3"/>
+          <p:cNvPicPr>
+            <a:picLocks noChangeAspect="1"/>
+          </p:cNvPicPr>
+          <p:nvPr/>
+        </p:nvPicPr>
+        <p:blipFill>
+          <a:blip r:embed="rId2"/>
+          <a:stretch>
+            <a:fillRect/>
+          </a:stretch>
+        </p:blipFill>
+        <p:spPr>
+          <a:xfrm>
+            <a:off x="5262063" y="2396719"/>
+            <a:ext cx="3514540" cy="3780244"/>
+          </a:xfrm>
+          <a:prstGeom prst="rect">
+            <a:avLst/>
+          </a:prstGeom>
+        </p:spPr>
+      </p:pic>
+      <p:cxnSp>
+        <p:nvCxnSpPr>
+          <p:cNvPr id="5" name="Straight Connector 4"/>
+          <p:cNvCxnSpPr>
+            <a:stCxn id="6" idx="3"/>
+          </p:cNvCxnSpPr>
+          <p:nvPr/>
+        </p:nvCxnSpPr>
+        <p:spPr>
+          <a:xfrm>
+            <a:off x="3699593" y="3211957"/>
+            <a:ext cx="1740024" cy="200055"/>
+          </a:xfrm>
+          <a:prstGeom prst="line">
+            <a:avLst/>
+          </a:prstGeom>
+          <a:ln>
+            <a:solidFill>
+              <a:srgbClr val="FF0000"/>
+            </a:solidFill>
+          </a:ln>
+        </p:spPr>
+        <p:style>
+          <a:lnRef idx="1">
+            <a:schemeClr val="accent1"/>
+          </a:lnRef>
+          <a:fillRef idx="0">
+            <a:schemeClr val="accent1"/>
+          </a:fillRef>
+          <a:effectRef idx="0">
+            <a:schemeClr val="accent1"/>
+          </a:effectRef>
+          <a:fontRef idx="minor">
+            <a:schemeClr val="tx1"/>
+          </a:fontRef>
+        </p:style>
+      </p:cxnSp>
+      <p:sp>
+        <p:nvSpPr>
+          <p:cNvPr id="6" name="TextBox 5"/>
+          <p:cNvSpPr txBox="1"/>
+          <p:nvPr/>
+        </p:nvSpPr>
+        <p:spPr>
+          <a:xfrm>
+            <a:off x="1400277" y="3011902"/>
+            <a:ext cx="2299316" cy="400110"/>
+          </a:xfrm>
+          <a:prstGeom prst="rect">
+            <a:avLst/>
+          </a:prstGeom>
+          <a:noFill/>
+        </p:spPr>
+        <p:txBody>
+          <a:bodyPr wrap="square" rtlCol="0">
+            <a:spAutoFit/>
+          </a:bodyPr>
+          <a:lstStyle/>
+          <a:p>
+            <a:r>
+              <a:rPr lang="en-US" sz="2000" dirty="0" smtClean="0"/>
+              <a:t>How many not null</a:t>
+            </a:r>
+            <a:endParaRPr lang="en-US" sz="2000" dirty="0"/>
+          </a:p>
+        </p:txBody>
+      </p:sp>
+      <p:cxnSp>
+        <p:nvCxnSpPr>
+          <p:cNvPr id="12" name="Straight Connector 11"/>
+          <p:cNvCxnSpPr>
+            <a:stCxn id="13" idx="3"/>
+          </p:cNvCxnSpPr>
+          <p:nvPr/>
+        </p:nvCxnSpPr>
+        <p:spPr>
+          <a:xfrm>
+            <a:off x="3630051" y="4687227"/>
+            <a:ext cx="1740024" cy="200055"/>
+          </a:xfrm>
+          <a:prstGeom prst="line">
+            <a:avLst/>
+          </a:prstGeom>
+          <a:ln>
+            <a:solidFill>
+              <a:srgbClr val="FF0000"/>
+            </a:solidFill>
+          </a:ln>
+        </p:spPr>
+        <p:style>
+          <a:lnRef idx="1">
+            <a:schemeClr val="accent1"/>
+          </a:lnRef>
+          <a:fillRef idx="0">
+            <a:schemeClr val="accent1"/>
+          </a:fillRef>
+          <a:effectRef idx="0">
+            <a:schemeClr val="accent1"/>
+          </a:effectRef>
+          <a:fontRef idx="minor">
+            <a:schemeClr val="tx1"/>
+          </a:fontRef>
+        </p:style>
+      </p:cxnSp>
+      <p:sp>
+        <p:nvSpPr>
+          <p:cNvPr id="13" name="TextBox 12"/>
+          <p:cNvSpPr txBox="1"/>
+          <p:nvPr/>
+        </p:nvSpPr>
+        <p:spPr>
+          <a:xfrm>
+            <a:off x="1330735" y="4487172"/>
+            <a:ext cx="2299316" cy="400110"/>
+          </a:xfrm>
+          <a:prstGeom prst="rect">
+            <a:avLst/>
+          </a:prstGeom>
+          <a:noFill/>
+        </p:spPr>
+        <p:txBody>
+          <a:bodyPr wrap="square" rtlCol="0">
+            <a:spAutoFit/>
+          </a:bodyPr>
+          <a:lstStyle/>
+          <a:p>
+            <a:r>
+              <a:rPr lang="en-US" sz="2000" dirty="0" smtClean="0"/>
+              <a:t>percentiles</a:t>
+            </a:r>
+            <a:endParaRPr lang="en-US" sz="2000" dirty="0"/>
+          </a:p>
+        </p:txBody>
+      </p:sp>
+      <p:sp>
+        <p:nvSpPr>
+          <p:cNvPr id="7" name="Footer Placeholder 6"/>
+          <p:cNvSpPr>
+            <a:spLocks noGrp="1"/>
+          </p:cNvSpPr>
+          <p:nvPr>
+            <p:ph type="ftr" sz="quarter" idx="11"/>
+          </p:nvPr>
+        </p:nvSpPr>
+        <p:spPr/>
+        <p:txBody>
+          <a:bodyPr/>
+          <a:lstStyle/>
+          <a:p>
+            <a:r>
+              <a:rPr lang="en-US" smtClean="0"/>
+              <a:t>Michele Samorani - Data Science Analysis with Python</a:t>
+            </a:r>
+            <a:endParaRPr lang="en-US"/>
+          </a:p>
+        </p:txBody>
+      </p:sp>
+    </p:spTree>
+    <p:extLst>
+      <p:ext uri="{BB962C8B-B14F-4D97-AF65-F5344CB8AC3E}">
+        <p14:creationId xmlns:p14="http://schemas.microsoft.com/office/powerpoint/2010/main" val="540626561"/>
+      </p:ext>
+    </p:extLst>
+  </p:cSld>
+  <p:clrMapOvr>
+    <a:masterClrMapping/>
+  </p:clrMapOvr>
+</p:sld>
+</file>
+
+<file path=ppt/slides/slide27.xml><?xml version="1.0" encoding="utf-8"?>
+<p:sld xmlns:a="http://schemas.openxmlformats.org/drawingml/2006/main" xmlns:r="http://schemas.openxmlformats.org/officeDocument/2006/relationships" xmlns:p="http://schemas.openxmlformats.org/presentationml/2006/main">
+  <p:cSld>
+    <p:spTree>
+      <p:nvGrpSpPr>
+        <p:cNvPr id="1" name=""/>
+        <p:cNvGrpSpPr/>
+        <p:nvPr/>
+      </p:nvGrpSpPr>
+      <p:grpSpPr>
+        <a:xfrm>
+          <a:off x="0" y="0"/>
+          <a:ext cx="0" cy="0"/>
+          <a:chOff x="0" y="0"/>
+          <a:chExt cx="0" cy="0"/>
+        </a:xfrm>
+      </p:grpSpPr>
+      <p:sp>
+        <p:nvSpPr>
+          <p:cNvPr id="2" name="Title 1"/>
+          <p:cNvSpPr>
+            <a:spLocks noGrp="1"/>
+          </p:cNvSpPr>
+          <p:nvPr>
+            <p:ph type="title"/>
+          </p:nvPr>
+        </p:nvSpPr>
         <p:spPr>
           <a:xfrm>
             <a:off x="838200" y="196449"/>
@@ -7549,7 +7913,7 @@
 </p:sld>
 </file>
 
-<file path=ppt/slides/slide26.xml><?xml version="1.0" encoding="utf-8"?>
+<file path=ppt/slides/slide28.xml><?xml version="1.0" encoding="utf-8"?>
 <p:sld xmlns:a="http://schemas.openxmlformats.org/drawingml/2006/main" xmlns:r="http://schemas.openxmlformats.org/officeDocument/2006/relationships" xmlns:p="http://schemas.openxmlformats.org/presentationml/2006/main">
   <p:cSld>
     <p:spTree>
@@ -7746,15 +8110,7 @@
           <a:p>
             <a:r>
               <a:rPr lang="en-US" dirty="0" smtClean="0"/>
-              <a:t>Let’s consider the survey </a:t>
-            </a:r>
-            <a:r>
-              <a:rPr lang="en-US" dirty="0" smtClean="0"/>
-              <a:t>taken by students at </a:t>
-            </a:r>
-            <a:r>
-              <a:rPr lang="en-US" dirty="0" smtClean="0"/>
-              <a:t>the beginning of the term</a:t>
+              <a:t>Let’s consider the survey taken by students at the beginning of the term</a:t>
             </a:r>
           </a:p>
           <a:p>
@@ -7891,11 +8247,6 @@
               </a:rPr>
               <a:t> headers are too long</a:t>
             </a:r>
-            <a:endParaRPr lang="en-US" dirty="0" smtClean="0">
-              <a:solidFill>
-                <a:srgbClr val="FF0000"/>
-              </a:solidFill>
-            </a:endParaRPr>
           </a:p>
           <a:p>
             <a:pPr marL="285750" indent="-285750">
@@ -8947,9 +9298,88 @@
           </a:p>
         </p:txBody>
       </p:sp>
+      <p:sp>
+        <p:nvSpPr>
+          <p:cNvPr id="4" name="TextBox 3"/>
+          <p:cNvSpPr txBox="1"/>
+          <p:nvPr/>
+        </p:nvSpPr>
+        <p:spPr>
+          <a:xfrm>
+            <a:off x="887904" y="4468865"/>
+            <a:ext cx="10856686" cy="1477328"/>
+          </a:xfrm>
+          <a:prstGeom prst="rect">
+            <a:avLst/>
+          </a:prstGeom>
+          <a:noFill/>
+        </p:spPr>
+        <p:txBody>
+          <a:bodyPr wrap="square" rtlCol="0">
+            <a:spAutoFit/>
+          </a:bodyPr>
+          <a:lstStyle/>
+          <a:p>
+            <a:r>
+              <a:rPr lang="en-US" dirty="0" smtClean="0"/>
+              <a:t>Pros:</a:t>
+            </a:r>
+          </a:p>
+          <a:p>
+            <a:pPr marL="742950" lvl="1" indent="-285750">
+              <a:buFont typeface="Arial" panose="020B0604020202020204" pitchFamily="34" charset="0"/>
+              <a:buChar char="•"/>
+            </a:pPr>
+            <a:r>
+              <a:rPr lang="en-US" dirty="0" smtClean="0"/>
+              <a:t>Easy</a:t>
+            </a:r>
+          </a:p>
+          <a:p>
+            <a:r>
+              <a:rPr lang="en-US" dirty="0" smtClean="0"/>
+              <a:t>Cons:</a:t>
+            </a:r>
+          </a:p>
+          <a:p>
+            <a:pPr marL="742950" lvl="1" indent="-285750">
+              <a:buFont typeface="Arial" panose="020B0604020202020204" pitchFamily="34" charset="0"/>
+              <a:buChar char="•"/>
+            </a:pPr>
+            <a:r>
+              <a:rPr lang="en-US" dirty="0" smtClean="0"/>
+              <a:t>Sometimes such solution cannot be used; example: if the new value of the column is retrieved through a complex calculation (e.g., simulation)</a:t>
+            </a:r>
+            <a:endParaRPr lang="en-US" dirty="0"/>
+          </a:p>
+        </p:txBody>
+      </p:sp>
+      <p:sp>
+        <p:nvSpPr>
+          <p:cNvPr id="5" name="Footer Placeholder 4"/>
+          <p:cNvSpPr>
+            <a:spLocks noGrp="1"/>
+          </p:cNvSpPr>
+          <p:nvPr>
+            <p:ph type="ftr" sz="quarter" idx="11"/>
+          </p:nvPr>
+        </p:nvSpPr>
+        <p:spPr/>
+        <p:txBody>
+          <a:bodyPr/>
+          <a:lstStyle/>
+          <a:p>
+            <a:r>
+              <a:rPr lang="en-US" smtClean="0"/>
+              <a:t>Michele Samorani - Data Science Analysis with Python</a:t>
+            </a:r>
+            <a:endParaRPr lang="en-US"/>
+          </a:p>
+        </p:txBody>
+      </p:sp>
       <p:pic>
         <p:nvPicPr>
-          <p:cNvPr id="3" name="Picture 2"/>
+          <p:cNvPr id="6" name="Picture 5"/>
           <p:cNvPicPr>
             <a:picLocks noChangeAspect="1"/>
           </p:cNvPicPr>
@@ -8963,93 +9393,14 @@
         </p:blipFill>
         <p:spPr>
           <a:xfrm>
-            <a:off x="1062037" y="1975076"/>
-            <a:ext cx="10067925" cy="2428875"/>
+            <a:off x="327044" y="1802869"/>
+            <a:ext cx="11353800" cy="2034625"/>
           </a:xfrm>
           <a:prstGeom prst="rect">
             <a:avLst/>
           </a:prstGeom>
         </p:spPr>
       </p:pic>
-      <p:sp>
-        <p:nvSpPr>
-          <p:cNvPr id="4" name="TextBox 3"/>
-          <p:cNvSpPr txBox="1"/>
-          <p:nvPr/>
-        </p:nvSpPr>
-        <p:spPr>
-          <a:xfrm>
-            <a:off x="887904" y="4468865"/>
-            <a:ext cx="10856686" cy="1477328"/>
-          </a:xfrm>
-          <a:prstGeom prst="rect">
-            <a:avLst/>
-          </a:prstGeom>
-          <a:noFill/>
-        </p:spPr>
-        <p:txBody>
-          <a:bodyPr wrap="square" rtlCol="0">
-            <a:spAutoFit/>
-          </a:bodyPr>
-          <a:lstStyle/>
-          <a:p>
-            <a:r>
-              <a:rPr lang="en-US" dirty="0" smtClean="0"/>
-              <a:t>Pros:</a:t>
-            </a:r>
-          </a:p>
-          <a:p>
-            <a:pPr marL="742950" lvl="1" indent="-285750">
-              <a:buFont typeface="Arial" panose="020B0604020202020204" pitchFamily="34" charset="0"/>
-              <a:buChar char="•"/>
-            </a:pPr>
-            <a:r>
-              <a:rPr lang="en-US" dirty="0" smtClean="0"/>
-              <a:t>Easy</a:t>
-            </a:r>
-          </a:p>
-          <a:p>
-            <a:r>
-              <a:rPr lang="en-US" dirty="0" smtClean="0"/>
-              <a:t>Cons:</a:t>
-            </a:r>
-          </a:p>
-          <a:p>
-            <a:pPr marL="742950" lvl="1" indent="-285750">
-              <a:buFont typeface="Arial" panose="020B0604020202020204" pitchFamily="34" charset="0"/>
-              <a:buChar char="•"/>
-            </a:pPr>
-            <a:r>
-              <a:rPr lang="en-US" dirty="0" smtClean="0"/>
-              <a:t>Sometimes such solution cannot be used; example: if the new value of the column is retrieved through a complex calculation (e.g., simulation)</a:t>
-            </a:r>
-            <a:endParaRPr lang="en-US" dirty="0"/>
-          </a:p>
-        </p:txBody>
-      </p:sp>
-      <p:sp>
-        <p:nvSpPr>
-          <p:cNvPr id="5" name="Footer Placeholder 4"/>
-          <p:cNvSpPr>
-            <a:spLocks noGrp="1"/>
-          </p:cNvSpPr>
-          <p:nvPr>
-            <p:ph type="ftr" sz="quarter" idx="11"/>
-          </p:nvPr>
-        </p:nvSpPr>
-        <p:spPr/>
-        <p:txBody>
-          <a:bodyPr/>
-          <a:lstStyle/>
-          <a:p>
-            <a:r>
-              <a:rPr lang="en-US" smtClean="0"/>
-              <a:t>Michele Samorani - Data Science Analysis with Python</a:t>
-            </a:r>
-            <a:endParaRPr lang="en-US"/>
-          </a:p>
-        </p:txBody>
-      </p:sp>
     </p:spTree>
     <p:extLst>
       <p:ext uri="{BB962C8B-B14F-4D97-AF65-F5344CB8AC3E}">
